--- a/Google Cloud Product Flashcards.pptx
+++ b/Google Cloud Product Flashcards.pptx
@@ -18380,6 +18380,18 @@
                 <a:buNone/>
               </a:pPr>
               <a:r>
+                <a:rPr lang="en" sz="3000">
+                  <a:solidFill>
+                    <a:srgbClr val="434343"/>
+                  </a:solidFill>
+                  <a:latin typeface="Roboto"/>
+                  <a:ea typeface="Roboto"/>
+                  <a:cs typeface="Roboto"/>
+                  <a:sym typeface="Roboto"/>
+                </a:rPr>
+                <a:t>Google Cloud  sdsds </a:t>
+              </a:r>
+              <a:r>
                 <a:rPr lang="en" sz="3000" dirty="0">
                   <a:solidFill>
                     <a:srgbClr val="434343"/>
@@ -18389,7 +18401,7 @@
                   <a:cs typeface="Roboto"/>
                   <a:sym typeface="Roboto"/>
                 </a:rPr>
-                <a:t>Google Cloud Product Flashcards</a:t>
+                <a:t>Product Flashcards</a:t>
               </a:r>
               <a:endParaRPr sz="3000" dirty="0">
                 <a:solidFill>
